--- a/Калькулятор Паскаля.pptx
+++ b/Калькулятор Паскаля.pptx
@@ -215,7 +215,7 @@
           <a:p>
             <a:fld id="{4D9B48E4-8800-42BC-8CCA-BCA74ECA2423}" type="datetimeFigureOut">
               <a:rPr lang="en-US" smtClean="0"/>
-              <a:t>2/23/2021</a:t>
+              <a:t>2/28/2021</a:t>
             </a:fld>
             <a:endParaRPr lang="en-US"/>
           </a:p>
@@ -1861,7 +1861,7 @@
           <a:p>
             <a:fld id="{C4F001EB-0591-4483-B141-22BF35FE0AA2}" type="datetimeFigureOut">
               <a:rPr lang="en-US" smtClean="0"/>
-              <a:t>2/23/2021</a:t>
+              <a:t>2/28/2021</a:t>
             </a:fld>
             <a:endParaRPr lang="en-US"/>
           </a:p>
@@ -18538,8 +18538,8 @@
         </p:nvSpPr>
         <p:spPr>
           <a:xfrm>
-            <a:off x="9984220" y="1406733"/>
-            <a:ext cx="2047835" cy="4253537"/>
+            <a:off x="9984220" y="1463814"/>
+            <a:ext cx="2047835" cy="3930371"/>
           </a:xfrm>
           <a:prstGeom prst="rect">
             <a:avLst/>
@@ -18578,39 +18578,7 @@
                   <a:schemeClr val="bg1"/>
                 </a:solidFill>
               </a:rPr>
-              <a:t> Паскаль почав </a:t>
-            </a:r>
-            <a:r>
-              <a:rPr lang="ru-RU" sz="1400" err="1">
-                <a:solidFill>
-                  <a:schemeClr val="bg1"/>
-                </a:solidFill>
-              </a:rPr>
-              <a:t>створювати</a:t>
-            </a:r>
-            <a:r>
-              <a:rPr lang="ru-RU" sz="1400">
-                <a:solidFill>
-                  <a:schemeClr val="bg1"/>
-                </a:solidFill>
-              </a:rPr>
-              <a:t> </a:t>
-            </a:r>
-            <a:r>
-              <a:rPr lang="ru-RU" sz="1400" err="1">
-                <a:solidFill>
-                  <a:schemeClr val="bg1"/>
-                </a:solidFill>
-              </a:rPr>
-              <a:t>підсумовує</a:t>
-            </a:r>
-            <a:r>
-              <a:rPr lang="ru-RU" sz="1400">
-                <a:solidFill>
-                  <a:schemeClr val="bg1"/>
-                </a:solidFill>
-              </a:rPr>
-              <a:t> машину «</a:t>
+              <a:t> Паскаль почав створювати машину «</a:t>
             </a:r>
             <a:r>
               <a:rPr lang="ru-RU" sz="1400" err="1">
@@ -19142,11 +19110,23 @@
             <a:r>
               <a:rPr lang="ru-RU" sz="1200">
                 <a:solidFill>
+                  <a:schemeClr val="tx2">
+                    <a:lumMod val="95000"/>
+                    <a:lumOff val="5000"/>
+                  </a:schemeClr>
+                </a:solidFill>
+                <a:latin typeface="Arial" panose="020B0604020202020204" pitchFamily="34" charset="0"/>
+              </a:rPr>
+              <a:t>зубчастою</a:t>
+            </a:r>
+            <a:r>
+              <a:rPr lang="ru-RU" sz="1200">
+                <a:solidFill>
                   <a:srgbClr val="5F5F5F"/>
                 </a:solidFill>
                 <a:latin typeface="Arial" panose="020B0604020202020204" pitchFamily="34" charset="0"/>
               </a:rPr>
-              <a:t>зубчастою </a:t>
+              <a:t> </a:t>
             </a:r>
             <a:r>
               <a:rPr lang="ru-RU" sz="1200">
@@ -19305,7 +19285,102 @@
                 <a:effectLst/>
                 <a:latin typeface="Roboto"/>
               </a:rPr>
-              <a:t>Сотуар - центральна частина механізму переноски паскаліна. У своїй «Avis nécessaire ...» Паскаль відмітив, що машина з 10 000 колесами буде працювати так добре, як і машина з двома колесами, тому що кожне колесо не залежить від іншого. Коли поразка розповсюджує переноси, сотуар під дією єдиної сили тяжіння відбирається до наступного колесу без якого-небудь контакту між колесами. Во время свободного падения сотуар ведет себя как акробат, перепрыгивающий с одной трапеции на другую, при этом трапеции не касается друг друга. Таким чином, усі колеса (в тому числі шестерні та сотуари) мають однаковий розмір та незалежність від грузоподібних машин. </a:t>
+              <a:t>Сотуар - центральна частина механізму переноски паскаліна. У своїй «Avis nécessaire ...» Паскаль відмітив, що машина з 10 000 колесами буде працювати так добре, як і машина з двома колесами, тому що кожне колесо не залежить від іншого. Коли час розповсюджувати переноси, сотуар під дією єдиної сили тяжіння відкидається до наступного колеса без якого-небудь контакту між колесами. </a:t>
+            </a:r>
+            <a:r>
+              <a:rPr lang="uk-UA" sz="1200">
+                <a:solidFill>
+                  <a:srgbClr val="000000"/>
+                </a:solidFill>
+                <a:latin typeface="Roboto"/>
+              </a:rPr>
+              <a:t>Під час</a:t>
+            </a:r>
+            <a:r>
+              <a:rPr lang="ru-RU" sz="1200" b="0" i="0">
+                <a:solidFill>
+                  <a:srgbClr val="000000"/>
+                </a:solidFill>
+                <a:effectLst/>
+                <a:latin typeface="Roboto"/>
+              </a:rPr>
+              <a:t> вільного падіння сотуар веде себе як акробат, </a:t>
+            </a:r>
+            <a:r>
+              <a:rPr lang="ru-RU" sz="1200">
+                <a:solidFill>
+                  <a:srgbClr val="000000"/>
+                </a:solidFill>
+                <a:latin typeface="Roboto"/>
+              </a:rPr>
+              <a:t>що </a:t>
+            </a:r>
+            <a:r>
+              <a:rPr lang="ru-RU" sz="1200" b="0" i="0">
+                <a:solidFill>
+                  <a:srgbClr val="000000"/>
+                </a:solidFill>
+                <a:effectLst/>
+                <a:latin typeface="Roboto"/>
+              </a:rPr>
+              <a:t>перестрибує з одної трапеції на </a:t>
+            </a:r>
+            <a:r>
+              <a:rPr lang="ru-RU" sz="1200">
+                <a:solidFill>
+                  <a:srgbClr val="000000"/>
+                </a:solidFill>
+                <a:latin typeface="Roboto"/>
+              </a:rPr>
+              <a:t>іншу</a:t>
+            </a:r>
+            <a:r>
+              <a:rPr lang="ru-RU" sz="1200" b="0" i="0">
+                <a:solidFill>
+                  <a:srgbClr val="000000"/>
+                </a:solidFill>
+                <a:effectLst/>
+                <a:latin typeface="Roboto"/>
+              </a:rPr>
+              <a:t>, при </a:t>
+            </a:r>
+            <a:r>
+              <a:rPr lang="ru-RU" sz="1200">
+                <a:solidFill>
+                  <a:srgbClr val="000000"/>
+                </a:solidFill>
+                <a:latin typeface="Roboto"/>
+              </a:rPr>
+              <a:t>цьому</a:t>
+            </a:r>
+            <a:r>
+              <a:rPr lang="ru-RU" sz="1200" b="0" i="0">
+                <a:solidFill>
+                  <a:srgbClr val="000000"/>
+                </a:solidFill>
+                <a:effectLst/>
+                <a:latin typeface="Roboto"/>
+              </a:rPr>
+              <a:t> трапеції не </a:t>
+            </a:r>
+            <a:r>
+              <a:rPr lang="ru-RU" sz="1200">
+                <a:solidFill>
+                  <a:srgbClr val="000000"/>
+                </a:solidFill>
+                <a:latin typeface="Roboto"/>
+              </a:rPr>
+              <a:t>дотикаються</a:t>
+            </a:r>
+            <a:r>
+              <a:rPr lang="ru-RU" sz="1200" b="0" i="0">
+                <a:solidFill>
+                  <a:srgbClr val="000000"/>
+                </a:solidFill>
+                <a:effectLst/>
+                <a:latin typeface="Roboto"/>
+              </a:rPr>
+              <a:t> один до одного. Таким чином, усі колеса (в тому числі шестерні та сотуари) мають однаковий розмір та незалежність від грузоподібних машин. </a:t>
             </a:r>
           </a:p>
           <a:p>

--- a/Калькулятор Паскаля.pptx
+++ b/Калькулятор Паскаля.pptx
@@ -19380,7 +19380,26 @@
                 <a:effectLst/>
                 <a:latin typeface="Roboto"/>
               </a:rPr>
-              <a:t> один до одного. Таким чином, усі колеса (в тому числі шестерні та сотуари) мають однаковий розмір та незалежність від грузоподібних машин. </a:t>
+              <a:t> одна до </a:t>
+            </a:r>
+            <a:r>
+              <a:rPr lang="ru-RU" sz="1200">
+                <a:solidFill>
+                  <a:srgbClr val="000000"/>
+                </a:solidFill>
+                <a:latin typeface="Roboto"/>
+              </a:rPr>
+              <a:t>іншої</a:t>
+            </a:r>
+            <a:r>
+              <a:rPr lang="ru-RU" sz="1200" b="0" i="0">
+                <a:solidFill>
+                  <a:srgbClr val="000000"/>
+                </a:solidFill>
+                <a:effectLst/>
+                <a:latin typeface="Roboto"/>
+              </a:rPr>
+              <a:t>. Таким чином, усі колеса (в тому числі шестерні та сотуари) мають однаковий розмір та незалежність від грузоподібних машин. </a:t>
             </a:r>
           </a:p>
           <a:p>
